--- a/Presentació 1 - Grup 105.pptx
+++ b/Presentació 1 - Grup 105.pptx
@@ -8321,43 +8321,6 @@
           </a:p>
         </p:txBody>
       </p:sp>
-      <p:pic>
-        <p:nvPicPr>
-          <p:cNvPr id="6" name="Imagen 5" descr="Gráfico, Gráfico de dispersión&#10;&#10;Descripción generada automáticamente">
-            <a:extLst>
-              <a:ext uri="{FF2B5EF4-FFF2-40B4-BE49-F238E27FC236}">
-                <a16:creationId xmlns:a16="http://schemas.microsoft.com/office/drawing/2014/main" id="{619BA032-AD42-7245-BE0C-AC40F519581C}"/>
-              </a:ext>
-            </a:extLst>
-          </p:cNvPr>
-          <p:cNvPicPr>
-            <a:picLocks noChangeAspect="1"/>
-          </p:cNvPicPr>
-          <p:nvPr/>
-        </p:nvPicPr>
-        <p:blipFill>
-          <a:blip r:embed="rId2" cstate="print">
-            <a:extLst>
-              <a:ext uri="{28A0092B-C50C-407E-A947-70E740481C1C}">
-                <a14:useLocalDpi xmlns:a14="http://schemas.microsoft.com/office/drawing/2010/main" val="0"/>
-              </a:ext>
-            </a:extLst>
-          </a:blip>
-          <a:stretch>
-            <a:fillRect/>
-          </a:stretch>
-        </p:blipFill>
-        <p:spPr bwMode="auto">
-          <a:xfrm>
-            <a:off x="6596743" y="1310728"/>
-            <a:ext cx="2146041" cy="1609530"/>
-          </a:xfrm>
-          <a:prstGeom prst="rect">
-            <a:avLst/>
-          </a:prstGeom>
-          <a:noFill/>
-        </p:spPr>
-      </p:pic>
       <p:sp>
         <p:nvSpPr>
           <p:cNvPr id="16" name="Rectangle 15">
@@ -8439,7 +8402,7 @@
           <p:nvPr/>
         </p:nvPicPr>
         <p:blipFill>
-          <a:blip r:embed="rId3">
+          <a:blip r:embed="rId2">
             <a:extLst>
               <a:ext uri="{28A0092B-C50C-407E-A947-70E740481C1C}">
                 <a14:useLocalDpi xmlns:a14="http://schemas.microsoft.com/office/drawing/2010/main" val="0"/>
@@ -8542,7 +8505,7 @@
           <p:nvPr/>
         </p:nvPicPr>
         <p:blipFill>
-          <a:blip r:embed="rId4" cstate="print">
+          <a:blip r:embed="rId3" cstate="print">
             <a:extLst>
               <a:ext uri="{28A0092B-C50C-407E-A947-70E740481C1C}">
                 <a14:useLocalDpi xmlns:a14="http://schemas.microsoft.com/office/drawing/2010/main" val="0"/>
@@ -8555,7 +8518,7 @@
         </p:blipFill>
         <p:spPr bwMode="auto">
           <a:xfrm>
-            <a:off x="6596743" y="4040793"/>
+            <a:off x="6588550" y="1310728"/>
             <a:ext cx="2146041" cy="1609530"/>
           </a:xfrm>
           <a:prstGeom prst="rect">
@@ -8645,6 +8608,43 @@
           <p:nvPr/>
         </p:nvPicPr>
         <p:blipFill>
+          <a:blip r:embed="rId4" cstate="print">
+            <a:extLst>
+              <a:ext uri="{28A0092B-C50C-407E-A947-70E740481C1C}">
+                <a14:useLocalDpi xmlns:a14="http://schemas.microsoft.com/office/drawing/2010/main" val="0"/>
+              </a:ext>
+            </a:extLst>
+          </a:blip>
+          <a:stretch>
+            <a:fillRect/>
+          </a:stretch>
+        </p:blipFill>
+        <p:spPr bwMode="auto">
+          <a:xfrm>
+            <a:off x="9247140" y="4040793"/>
+            <a:ext cx="2146041" cy="1609530"/>
+          </a:xfrm>
+          <a:prstGeom prst="rect">
+            <a:avLst/>
+          </a:prstGeom>
+          <a:noFill/>
+        </p:spPr>
+      </p:pic>
+      <p:pic>
+        <p:nvPicPr>
+          <p:cNvPr id="6" name="Imagen 5" descr="Gráfico, Gráfico de dispersión&#10;&#10;Descripción generada automáticamente">
+            <a:extLst>
+              <a:ext uri="{FF2B5EF4-FFF2-40B4-BE49-F238E27FC236}">
+                <a16:creationId xmlns:a16="http://schemas.microsoft.com/office/drawing/2014/main" id="{619BA032-AD42-7245-BE0C-AC40F519581C}"/>
+              </a:ext>
+            </a:extLst>
+          </p:cNvPr>
+          <p:cNvPicPr>
+            <a:picLocks noChangeAspect="1"/>
+          </p:cNvPicPr>
+          <p:nvPr/>
+        </p:nvPicPr>
+        <p:blipFill>
           <a:blip r:embed="rId5" cstate="print">
             <a:extLst>
               <a:ext uri="{28A0092B-C50C-407E-A947-70E740481C1C}">
@@ -8658,7 +8658,7 @@
         </p:blipFill>
         <p:spPr bwMode="auto">
           <a:xfrm>
-            <a:off x="9247140" y="4040793"/>
+            <a:off x="6588550" y="4034889"/>
             <a:ext cx="2146041" cy="1609530"/>
           </a:xfrm>
           <a:prstGeom prst="rect">
@@ -17406,7 +17406,7 @@
             <p:ph sz="half" idx="2"/>
           </p:nvPr>
         </p:nvPicPr>
-        <p:blipFill>
+        <p:blipFill rotWithShape="1">
           <a:blip r:embed="rId2">
             <a:extLst>
               <a:ext uri="{28A0092B-C50C-407E-A947-70E740481C1C}">
@@ -17414,15 +17414,13 @@
               </a:ext>
             </a:extLst>
           </a:blip>
-          <a:srcRect/>
-          <a:stretch>
-            <a:fillRect/>
-          </a:stretch>
+          <a:srcRect b="12024"/>
+          <a:stretch/>
         </p:blipFill>
         <p:spPr bwMode="auto">
           <a:xfrm>
             <a:off x="3936228" y="1259852"/>
-            <a:ext cx="6105028" cy="2169148"/>
+            <a:ext cx="6105028" cy="1908317"/>
           </a:xfrm>
           <a:prstGeom prst="rect">
             <a:avLst/>
@@ -17449,7 +17447,7 @@
             <p:ph sz="quarter" idx="4"/>
           </p:nvPr>
         </p:nvPicPr>
-        <p:blipFill>
+        <p:blipFill rotWithShape="1">
           <a:blip r:embed="rId3">
             <a:extLst>
               <a:ext uri="{28A0092B-C50C-407E-A947-70E740481C1C}">
@@ -17457,15 +17455,13 @@
               </a:ext>
             </a:extLst>
           </a:blip>
-          <a:srcRect/>
-          <a:stretch>
-            <a:fillRect/>
-          </a:stretch>
+          <a:srcRect b="9236"/>
+          <a:stretch/>
         </p:blipFill>
         <p:spPr bwMode="auto">
           <a:xfrm>
             <a:off x="3936228" y="4163701"/>
-            <a:ext cx="5970937" cy="2216635"/>
+            <a:ext cx="5970937" cy="2011903"/>
           </a:xfrm>
           <a:prstGeom prst="rect">
             <a:avLst/>
